--- a/Team B Presentation - Final.pptx
+++ b/Team B Presentation - Final.pptx
@@ -4253,7 +4253,7 @@
             </a:pPr>
             <a:r>
               <a:rPr lang="en-US" dirty="0"/>
-              <a:t>Nouman Mehar</a:t>
+              <a:t>Suneeta Vota</a:t>
             </a:r>
           </a:p>
           <a:p>
@@ -4269,7 +4269,7 @@
             </a:pPr>
             <a:r>
               <a:rPr lang="en-US" dirty="0"/>
-              <a:t>Suneeta Vota</a:t>
+              <a:t>Nouman Mehar</a:t>
             </a:r>
           </a:p>
         </p:txBody>
